--- a/ppt 16-9/1371.来吧！让我登耶.pptx
+++ b/ppt 16-9/1371.来吧！让我登耶.pptx
@@ -129,7 +129,7 @@
           <p:cNvPr id="2" name="标题 1">
             <a:extLst>
               <a:ext uri="{FF2B5EF4-FFF2-40B4-BE49-F238E27FC236}">
-                <a16:creationId xmlns:a16="http://schemas.microsoft.com/office/drawing/2014/main" id="{47DDB8AF-F2BF-509E-A63E-46837B88F6A7}"/>
+                <a16:creationId xmlns:a16="http://schemas.microsoft.com/office/drawing/2014/main" id="{DB59A8A5-8027-3BC5-136D-FDF2768FDBCD}"/>
               </a:ext>
             </a:extLst>
           </p:cNvPr>
@@ -166,7 +166,7 @@
           <p:cNvPr id="3" name="副标题 2">
             <a:extLst>
               <a:ext uri="{FF2B5EF4-FFF2-40B4-BE49-F238E27FC236}">
-                <a16:creationId xmlns:a16="http://schemas.microsoft.com/office/drawing/2014/main" id="{8C549FAF-163A-6E15-CED4-22CC676BE5F6}"/>
+                <a16:creationId xmlns:a16="http://schemas.microsoft.com/office/drawing/2014/main" id="{CE570674-5841-5E68-CD80-22E935926D20}"/>
               </a:ext>
             </a:extLst>
           </p:cNvPr>
@@ -236,7 +236,7 @@
           <p:cNvPr id="4" name="日期占位符 3">
             <a:extLst>
               <a:ext uri="{FF2B5EF4-FFF2-40B4-BE49-F238E27FC236}">
-                <a16:creationId xmlns:a16="http://schemas.microsoft.com/office/drawing/2014/main" id="{4DB34F2E-EA9D-9EC7-739A-2DF328790CFB}"/>
+                <a16:creationId xmlns:a16="http://schemas.microsoft.com/office/drawing/2014/main" id="{F46FD214-7EE6-1827-8928-5DA894AA8007}"/>
               </a:ext>
             </a:extLst>
           </p:cNvPr>
@@ -252,7 +252,7 @@
           <a:bodyPr/>
           <a:lstStyle/>
           <a:p>
-            <a:fld id="{68F0EEDD-5DD5-47C5-8625-55385CDBB724}" type="datetimeFigureOut">
+            <a:fld id="{048610D1-9038-4EF1-829D-5FA6F7E0955D}" type="datetimeFigureOut">
               <a:rPr lang="zh-CN" altLang="en-US" smtClean="0"/>
               <a:t>2024/3/10</a:t>
             </a:fld>
@@ -265,7 +265,7 @@
           <p:cNvPr id="5" name="页脚占位符 4">
             <a:extLst>
               <a:ext uri="{FF2B5EF4-FFF2-40B4-BE49-F238E27FC236}">
-                <a16:creationId xmlns:a16="http://schemas.microsoft.com/office/drawing/2014/main" id="{EBFD748F-9995-7D14-8955-4F0D7C1B3B89}"/>
+                <a16:creationId xmlns:a16="http://schemas.microsoft.com/office/drawing/2014/main" id="{71E2DAA2-B17E-04BF-F219-BF97E09DF282}"/>
               </a:ext>
             </a:extLst>
           </p:cNvPr>
@@ -290,7 +290,7 @@
           <p:cNvPr id="6" name="灯片编号占位符 5">
             <a:extLst>
               <a:ext uri="{FF2B5EF4-FFF2-40B4-BE49-F238E27FC236}">
-                <a16:creationId xmlns:a16="http://schemas.microsoft.com/office/drawing/2014/main" id="{AC6BBB1E-F612-BEEC-6B5A-571027D1B25C}"/>
+                <a16:creationId xmlns:a16="http://schemas.microsoft.com/office/drawing/2014/main" id="{2AE5E5EA-BAB7-488D-584E-7998409C4729}"/>
               </a:ext>
             </a:extLst>
           </p:cNvPr>
@@ -306,7 +306,7 @@
           <a:bodyPr/>
           <a:lstStyle/>
           <a:p>
-            <a:fld id="{7A2B8CD0-9AF6-4623-A27B-21F3CAE429ED}" type="slidenum">
+            <a:fld id="{B85F966A-FFEA-4B3D-AD48-226F794E0AB5}" type="slidenum">
               <a:rPr lang="zh-CN" altLang="en-US" smtClean="0"/>
               <a:t>‹#›</a:t>
             </a:fld>
@@ -317,7 +317,7 @@
     </p:spTree>
     <p:extLst>
       <p:ext uri="{BB962C8B-B14F-4D97-AF65-F5344CB8AC3E}">
-        <p14:creationId xmlns:p14="http://schemas.microsoft.com/office/powerpoint/2010/main" val="2863761541"/>
+        <p14:creationId xmlns:p14="http://schemas.microsoft.com/office/powerpoint/2010/main" val="961347738"/>
       </p:ext>
     </p:extLst>
   </p:cSld>
@@ -349,7 +349,7 @@
           <p:cNvPr id="2" name="标题 1">
             <a:extLst>
               <a:ext uri="{FF2B5EF4-FFF2-40B4-BE49-F238E27FC236}">
-                <a16:creationId xmlns:a16="http://schemas.microsoft.com/office/drawing/2014/main" id="{1333670D-E088-EEFA-F90B-DA4B0ABEDC51}"/>
+                <a16:creationId xmlns:a16="http://schemas.microsoft.com/office/drawing/2014/main" id="{4BE74482-72AE-069B-4003-DB2B5FE7196F}"/>
               </a:ext>
             </a:extLst>
           </p:cNvPr>
@@ -377,7 +377,7 @@
           <p:cNvPr id="3" name="竖排文字占位符 2">
             <a:extLst>
               <a:ext uri="{FF2B5EF4-FFF2-40B4-BE49-F238E27FC236}">
-                <a16:creationId xmlns:a16="http://schemas.microsoft.com/office/drawing/2014/main" id="{31BC0400-BA14-D4FB-A810-EB2E1A931253}"/>
+                <a16:creationId xmlns:a16="http://schemas.microsoft.com/office/drawing/2014/main" id="{00D1683B-38B6-6E80-90DB-3F980C1431CB}"/>
               </a:ext>
             </a:extLst>
           </p:cNvPr>
@@ -434,7 +434,7 @@
           <p:cNvPr id="4" name="日期占位符 3">
             <a:extLst>
               <a:ext uri="{FF2B5EF4-FFF2-40B4-BE49-F238E27FC236}">
-                <a16:creationId xmlns:a16="http://schemas.microsoft.com/office/drawing/2014/main" id="{FF87166A-9C50-A802-5DC1-98190FB27C67}"/>
+                <a16:creationId xmlns:a16="http://schemas.microsoft.com/office/drawing/2014/main" id="{38331245-4321-A82F-2FDA-490D96B8450C}"/>
               </a:ext>
             </a:extLst>
           </p:cNvPr>
@@ -450,7 +450,7 @@
           <a:bodyPr/>
           <a:lstStyle/>
           <a:p>
-            <a:fld id="{68F0EEDD-5DD5-47C5-8625-55385CDBB724}" type="datetimeFigureOut">
+            <a:fld id="{048610D1-9038-4EF1-829D-5FA6F7E0955D}" type="datetimeFigureOut">
               <a:rPr lang="zh-CN" altLang="en-US" smtClean="0"/>
               <a:t>2024/3/10</a:t>
             </a:fld>
@@ -463,7 +463,7 @@
           <p:cNvPr id="5" name="页脚占位符 4">
             <a:extLst>
               <a:ext uri="{FF2B5EF4-FFF2-40B4-BE49-F238E27FC236}">
-                <a16:creationId xmlns:a16="http://schemas.microsoft.com/office/drawing/2014/main" id="{8AD07D3B-7E13-3E64-70CF-495527579745}"/>
+                <a16:creationId xmlns:a16="http://schemas.microsoft.com/office/drawing/2014/main" id="{84A0FBF0-285B-E6F0-B3BE-5457BD4656D9}"/>
               </a:ext>
             </a:extLst>
           </p:cNvPr>
@@ -488,7 +488,7 @@
           <p:cNvPr id="6" name="灯片编号占位符 5">
             <a:extLst>
               <a:ext uri="{FF2B5EF4-FFF2-40B4-BE49-F238E27FC236}">
-                <a16:creationId xmlns:a16="http://schemas.microsoft.com/office/drawing/2014/main" id="{C9526202-5C30-C826-C23E-D965F4CFFDAA}"/>
+                <a16:creationId xmlns:a16="http://schemas.microsoft.com/office/drawing/2014/main" id="{27139B2F-C947-1A58-4AD4-EA1C78BACCBC}"/>
               </a:ext>
             </a:extLst>
           </p:cNvPr>
@@ -504,7 +504,7 @@
           <a:bodyPr/>
           <a:lstStyle/>
           <a:p>
-            <a:fld id="{7A2B8CD0-9AF6-4623-A27B-21F3CAE429ED}" type="slidenum">
+            <a:fld id="{B85F966A-FFEA-4B3D-AD48-226F794E0AB5}" type="slidenum">
               <a:rPr lang="zh-CN" altLang="en-US" smtClean="0"/>
               <a:t>‹#›</a:t>
             </a:fld>
@@ -515,7 +515,7 @@
     </p:spTree>
     <p:extLst>
       <p:ext uri="{BB962C8B-B14F-4D97-AF65-F5344CB8AC3E}">
-        <p14:creationId xmlns:p14="http://schemas.microsoft.com/office/powerpoint/2010/main" val="819105073"/>
+        <p14:creationId xmlns:p14="http://schemas.microsoft.com/office/powerpoint/2010/main" val="3353418719"/>
       </p:ext>
     </p:extLst>
   </p:cSld>
@@ -547,7 +547,7 @@
           <p:cNvPr id="2" name="竖排标题 1">
             <a:extLst>
               <a:ext uri="{FF2B5EF4-FFF2-40B4-BE49-F238E27FC236}">
-                <a16:creationId xmlns:a16="http://schemas.microsoft.com/office/drawing/2014/main" id="{3C33552B-20A9-7199-945B-367463CA9672}"/>
+                <a16:creationId xmlns:a16="http://schemas.microsoft.com/office/drawing/2014/main" id="{175E6B72-7E52-4FA6-FDD4-EB77F1439DCA}"/>
               </a:ext>
             </a:extLst>
           </p:cNvPr>
@@ -580,7 +580,7 @@
           <p:cNvPr id="3" name="竖排文字占位符 2">
             <a:extLst>
               <a:ext uri="{FF2B5EF4-FFF2-40B4-BE49-F238E27FC236}">
-                <a16:creationId xmlns:a16="http://schemas.microsoft.com/office/drawing/2014/main" id="{A52E8D71-18D0-244B-8C87-9EB3177657C9}"/>
+                <a16:creationId xmlns:a16="http://schemas.microsoft.com/office/drawing/2014/main" id="{22CE4B6F-75A7-EA13-C4E1-482ED546396F}"/>
               </a:ext>
             </a:extLst>
           </p:cNvPr>
@@ -642,7 +642,7 @@
           <p:cNvPr id="4" name="日期占位符 3">
             <a:extLst>
               <a:ext uri="{FF2B5EF4-FFF2-40B4-BE49-F238E27FC236}">
-                <a16:creationId xmlns:a16="http://schemas.microsoft.com/office/drawing/2014/main" id="{DD4D8073-9A90-BB5E-90C6-41C9781D653F}"/>
+                <a16:creationId xmlns:a16="http://schemas.microsoft.com/office/drawing/2014/main" id="{A232C18A-9A01-B699-5449-A58B9D0CA3E7}"/>
               </a:ext>
             </a:extLst>
           </p:cNvPr>
@@ -658,7 +658,7 @@
           <a:bodyPr/>
           <a:lstStyle/>
           <a:p>
-            <a:fld id="{68F0EEDD-5DD5-47C5-8625-55385CDBB724}" type="datetimeFigureOut">
+            <a:fld id="{048610D1-9038-4EF1-829D-5FA6F7E0955D}" type="datetimeFigureOut">
               <a:rPr lang="zh-CN" altLang="en-US" smtClean="0"/>
               <a:t>2024/3/10</a:t>
             </a:fld>
@@ -671,7 +671,7 @@
           <p:cNvPr id="5" name="页脚占位符 4">
             <a:extLst>
               <a:ext uri="{FF2B5EF4-FFF2-40B4-BE49-F238E27FC236}">
-                <a16:creationId xmlns:a16="http://schemas.microsoft.com/office/drawing/2014/main" id="{4DE7E0A5-E4F8-3684-73EF-EE5D8A8C0692}"/>
+                <a16:creationId xmlns:a16="http://schemas.microsoft.com/office/drawing/2014/main" id="{BE7D84C7-7211-C712-A94A-CD5D40F4188F}"/>
               </a:ext>
             </a:extLst>
           </p:cNvPr>
@@ -696,7 +696,7 @@
           <p:cNvPr id="6" name="灯片编号占位符 5">
             <a:extLst>
               <a:ext uri="{FF2B5EF4-FFF2-40B4-BE49-F238E27FC236}">
-                <a16:creationId xmlns:a16="http://schemas.microsoft.com/office/drawing/2014/main" id="{2D868829-FE13-1111-2DFB-881882801C7E}"/>
+                <a16:creationId xmlns:a16="http://schemas.microsoft.com/office/drawing/2014/main" id="{54AA3F8E-BA38-6ECB-2EF5-8D8C2C74A760}"/>
               </a:ext>
             </a:extLst>
           </p:cNvPr>
@@ -712,7 +712,7 @@
           <a:bodyPr/>
           <a:lstStyle/>
           <a:p>
-            <a:fld id="{7A2B8CD0-9AF6-4623-A27B-21F3CAE429ED}" type="slidenum">
+            <a:fld id="{B85F966A-FFEA-4B3D-AD48-226F794E0AB5}" type="slidenum">
               <a:rPr lang="zh-CN" altLang="en-US" smtClean="0"/>
               <a:t>‹#›</a:t>
             </a:fld>
@@ -723,7 +723,7 @@
     </p:spTree>
     <p:extLst>
       <p:ext uri="{BB962C8B-B14F-4D97-AF65-F5344CB8AC3E}">
-        <p14:creationId xmlns:p14="http://schemas.microsoft.com/office/powerpoint/2010/main" val="1389777562"/>
+        <p14:creationId xmlns:p14="http://schemas.microsoft.com/office/powerpoint/2010/main" val="1366367595"/>
       </p:ext>
     </p:extLst>
   </p:cSld>
@@ -755,7 +755,7 @@
           <p:cNvPr id="2" name="标题 1">
             <a:extLst>
               <a:ext uri="{FF2B5EF4-FFF2-40B4-BE49-F238E27FC236}">
-                <a16:creationId xmlns:a16="http://schemas.microsoft.com/office/drawing/2014/main" id="{E78A0683-01D1-BA95-5FCC-0837593167A9}"/>
+                <a16:creationId xmlns:a16="http://schemas.microsoft.com/office/drawing/2014/main" id="{75CCD9B1-C649-1DE9-4A7E-95D0A67D4475}"/>
               </a:ext>
             </a:extLst>
           </p:cNvPr>
@@ -783,7 +783,7 @@
           <p:cNvPr id="3" name="内容占位符 2">
             <a:extLst>
               <a:ext uri="{FF2B5EF4-FFF2-40B4-BE49-F238E27FC236}">
-                <a16:creationId xmlns:a16="http://schemas.microsoft.com/office/drawing/2014/main" id="{7F0A9708-BCBF-88F7-8FFA-2044E4C13C8D}"/>
+                <a16:creationId xmlns:a16="http://schemas.microsoft.com/office/drawing/2014/main" id="{0C2FF9F8-E702-64E3-18DC-19E98D848166}"/>
               </a:ext>
             </a:extLst>
           </p:cNvPr>
@@ -840,7 +840,7 @@
           <p:cNvPr id="4" name="日期占位符 3">
             <a:extLst>
               <a:ext uri="{FF2B5EF4-FFF2-40B4-BE49-F238E27FC236}">
-                <a16:creationId xmlns:a16="http://schemas.microsoft.com/office/drawing/2014/main" id="{D47295F7-A983-07EC-A595-1BCC54D6790A}"/>
+                <a16:creationId xmlns:a16="http://schemas.microsoft.com/office/drawing/2014/main" id="{8D04A204-EB32-C976-7A57-A308B7E2C517}"/>
               </a:ext>
             </a:extLst>
           </p:cNvPr>
@@ -856,7 +856,7 @@
           <a:bodyPr/>
           <a:lstStyle/>
           <a:p>
-            <a:fld id="{68F0EEDD-5DD5-47C5-8625-55385CDBB724}" type="datetimeFigureOut">
+            <a:fld id="{048610D1-9038-4EF1-829D-5FA6F7E0955D}" type="datetimeFigureOut">
               <a:rPr lang="zh-CN" altLang="en-US" smtClean="0"/>
               <a:t>2024/3/10</a:t>
             </a:fld>
@@ -869,7 +869,7 @@
           <p:cNvPr id="5" name="页脚占位符 4">
             <a:extLst>
               <a:ext uri="{FF2B5EF4-FFF2-40B4-BE49-F238E27FC236}">
-                <a16:creationId xmlns:a16="http://schemas.microsoft.com/office/drawing/2014/main" id="{336693C1-5F63-5023-052D-95971A1AC911}"/>
+                <a16:creationId xmlns:a16="http://schemas.microsoft.com/office/drawing/2014/main" id="{641152AA-B6D7-AF3C-9C82-57C0032BC402}"/>
               </a:ext>
             </a:extLst>
           </p:cNvPr>
@@ -894,7 +894,7 @@
           <p:cNvPr id="6" name="灯片编号占位符 5">
             <a:extLst>
               <a:ext uri="{FF2B5EF4-FFF2-40B4-BE49-F238E27FC236}">
-                <a16:creationId xmlns:a16="http://schemas.microsoft.com/office/drawing/2014/main" id="{2A5ECC13-B7D8-DA7B-04C7-343A54427276}"/>
+                <a16:creationId xmlns:a16="http://schemas.microsoft.com/office/drawing/2014/main" id="{569BE315-6334-C910-2676-E7B3E876C6A7}"/>
               </a:ext>
             </a:extLst>
           </p:cNvPr>
@@ -910,7 +910,7 @@
           <a:bodyPr/>
           <a:lstStyle/>
           <a:p>
-            <a:fld id="{7A2B8CD0-9AF6-4623-A27B-21F3CAE429ED}" type="slidenum">
+            <a:fld id="{B85F966A-FFEA-4B3D-AD48-226F794E0AB5}" type="slidenum">
               <a:rPr lang="zh-CN" altLang="en-US" smtClean="0"/>
               <a:t>‹#›</a:t>
             </a:fld>
@@ -921,7 +921,7 @@
     </p:spTree>
     <p:extLst>
       <p:ext uri="{BB962C8B-B14F-4D97-AF65-F5344CB8AC3E}">
-        <p14:creationId xmlns:p14="http://schemas.microsoft.com/office/powerpoint/2010/main" val="3238598605"/>
+        <p14:creationId xmlns:p14="http://schemas.microsoft.com/office/powerpoint/2010/main" val="3375155942"/>
       </p:ext>
     </p:extLst>
   </p:cSld>
@@ -953,7 +953,7 @@
           <p:cNvPr id="2" name="标题 1">
             <a:extLst>
               <a:ext uri="{FF2B5EF4-FFF2-40B4-BE49-F238E27FC236}">
-                <a16:creationId xmlns:a16="http://schemas.microsoft.com/office/drawing/2014/main" id="{F9C667C7-6A22-8584-4B8C-869C5A937AC2}"/>
+                <a16:creationId xmlns:a16="http://schemas.microsoft.com/office/drawing/2014/main" id="{B5EAE118-CA51-83E0-8C13-E74C1B384B71}"/>
               </a:ext>
             </a:extLst>
           </p:cNvPr>
@@ -990,7 +990,7 @@
           <p:cNvPr id="3" name="文本占位符 2">
             <a:extLst>
               <a:ext uri="{FF2B5EF4-FFF2-40B4-BE49-F238E27FC236}">
-                <a16:creationId xmlns:a16="http://schemas.microsoft.com/office/drawing/2014/main" id="{047670E9-BF74-B74F-ED49-0BF8B7AA17AE}"/>
+                <a16:creationId xmlns:a16="http://schemas.microsoft.com/office/drawing/2014/main" id="{3E76ACD7-D9F2-CE78-7CED-F1FC0D822B0F}"/>
               </a:ext>
             </a:extLst>
           </p:cNvPr>
@@ -1115,7 +1115,7 @@
           <p:cNvPr id="4" name="日期占位符 3">
             <a:extLst>
               <a:ext uri="{FF2B5EF4-FFF2-40B4-BE49-F238E27FC236}">
-                <a16:creationId xmlns:a16="http://schemas.microsoft.com/office/drawing/2014/main" id="{3F95BE8F-1416-3305-CB39-4F183E2FAA10}"/>
+                <a16:creationId xmlns:a16="http://schemas.microsoft.com/office/drawing/2014/main" id="{20859FD0-98CF-18F8-4485-B23023B9D2C3}"/>
               </a:ext>
             </a:extLst>
           </p:cNvPr>
@@ -1131,7 +1131,7 @@
           <a:bodyPr/>
           <a:lstStyle/>
           <a:p>
-            <a:fld id="{68F0EEDD-5DD5-47C5-8625-55385CDBB724}" type="datetimeFigureOut">
+            <a:fld id="{048610D1-9038-4EF1-829D-5FA6F7E0955D}" type="datetimeFigureOut">
               <a:rPr lang="zh-CN" altLang="en-US" smtClean="0"/>
               <a:t>2024/3/10</a:t>
             </a:fld>
@@ -1144,7 +1144,7 @@
           <p:cNvPr id="5" name="页脚占位符 4">
             <a:extLst>
               <a:ext uri="{FF2B5EF4-FFF2-40B4-BE49-F238E27FC236}">
-                <a16:creationId xmlns:a16="http://schemas.microsoft.com/office/drawing/2014/main" id="{569E6119-40BB-0045-1B0C-E49F4BB962D6}"/>
+                <a16:creationId xmlns:a16="http://schemas.microsoft.com/office/drawing/2014/main" id="{1C88DBA4-0888-1B67-FB2B-7B62D1BE134A}"/>
               </a:ext>
             </a:extLst>
           </p:cNvPr>
@@ -1169,7 +1169,7 @@
           <p:cNvPr id="6" name="灯片编号占位符 5">
             <a:extLst>
               <a:ext uri="{FF2B5EF4-FFF2-40B4-BE49-F238E27FC236}">
-                <a16:creationId xmlns:a16="http://schemas.microsoft.com/office/drawing/2014/main" id="{662637CA-E998-A338-76A4-2E73E707A79D}"/>
+                <a16:creationId xmlns:a16="http://schemas.microsoft.com/office/drawing/2014/main" id="{4470FFD5-7CE0-46D5-DD44-F3C5D655F360}"/>
               </a:ext>
             </a:extLst>
           </p:cNvPr>
@@ -1185,7 +1185,7 @@
           <a:bodyPr/>
           <a:lstStyle/>
           <a:p>
-            <a:fld id="{7A2B8CD0-9AF6-4623-A27B-21F3CAE429ED}" type="slidenum">
+            <a:fld id="{B85F966A-FFEA-4B3D-AD48-226F794E0AB5}" type="slidenum">
               <a:rPr lang="zh-CN" altLang="en-US" smtClean="0"/>
               <a:t>‹#›</a:t>
             </a:fld>
@@ -1196,7 +1196,7 @@
     </p:spTree>
     <p:extLst>
       <p:ext uri="{BB962C8B-B14F-4D97-AF65-F5344CB8AC3E}">
-        <p14:creationId xmlns:p14="http://schemas.microsoft.com/office/powerpoint/2010/main" val="78238439"/>
+        <p14:creationId xmlns:p14="http://schemas.microsoft.com/office/powerpoint/2010/main" val="1235528484"/>
       </p:ext>
     </p:extLst>
   </p:cSld>
@@ -1228,7 +1228,7 @@
           <p:cNvPr id="2" name="标题 1">
             <a:extLst>
               <a:ext uri="{FF2B5EF4-FFF2-40B4-BE49-F238E27FC236}">
-                <a16:creationId xmlns:a16="http://schemas.microsoft.com/office/drawing/2014/main" id="{AFBFBAF9-0CCA-B502-1B2A-54558D10A311}"/>
+                <a16:creationId xmlns:a16="http://schemas.microsoft.com/office/drawing/2014/main" id="{480C5BAC-B81A-9114-FBA8-799F6DECA6BF}"/>
               </a:ext>
             </a:extLst>
           </p:cNvPr>
@@ -1256,7 +1256,7 @@
           <p:cNvPr id="3" name="内容占位符 2">
             <a:extLst>
               <a:ext uri="{FF2B5EF4-FFF2-40B4-BE49-F238E27FC236}">
-                <a16:creationId xmlns:a16="http://schemas.microsoft.com/office/drawing/2014/main" id="{AEEC0495-83F9-6CCE-EE22-E67FFEFC6916}"/>
+                <a16:creationId xmlns:a16="http://schemas.microsoft.com/office/drawing/2014/main" id="{79799015-148C-7962-C97A-461A3332C7B6}"/>
               </a:ext>
             </a:extLst>
           </p:cNvPr>
@@ -1318,7 +1318,7 @@
           <p:cNvPr id="4" name="内容占位符 3">
             <a:extLst>
               <a:ext uri="{FF2B5EF4-FFF2-40B4-BE49-F238E27FC236}">
-                <a16:creationId xmlns:a16="http://schemas.microsoft.com/office/drawing/2014/main" id="{10932D23-A684-9BFC-6EEC-B257BB3F64FB}"/>
+                <a16:creationId xmlns:a16="http://schemas.microsoft.com/office/drawing/2014/main" id="{C2502A6D-A3D6-789D-0DEB-F948DAC66915}"/>
               </a:ext>
             </a:extLst>
           </p:cNvPr>
@@ -1380,7 +1380,7 @@
           <p:cNvPr id="5" name="日期占位符 4">
             <a:extLst>
               <a:ext uri="{FF2B5EF4-FFF2-40B4-BE49-F238E27FC236}">
-                <a16:creationId xmlns:a16="http://schemas.microsoft.com/office/drawing/2014/main" id="{6E21D4BC-418F-B225-F75D-EEF5C8BF4176}"/>
+                <a16:creationId xmlns:a16="http://schemas.microsoft.com/office/drawing/2014/main" id="{418F4ACC-C878-C669-BA57-8730A1C2C6DB}"/>
               </a:ext>
             </a:extLst>
           </p:cNvPr>
@@ -1396,7 +1396,7 @@
           <a:bodyPr/>
           <a:lstStyle/>
           <a:p>
-            <a:fld id="{68F0EEDD-5DD5-47C5-8625-55385CDBB724}" type="datetimeFigureOut">
+            <a:fld id="{048610D1-9038-4EF1-829D-5FA6F7E0955D}" type="datetimeFigureOut">
               <a:rPr lang="zh-CN" altLang="en-US" smtClean="0"/>
               <a:t>2024/3/10</a:t>
             </a:fld>
@@ -1409,7 +1409,7 @@
           <p:cNvPr id="6" name="页脚占位符 5">
             <a:extLst>
               <a:ext uri="{FF2B5EF4-FFF2-40B4-BE49-F238E27FC236}">
-                <a16:creationId xmlns:a16="http://schemas.microsoft.com/office/drawing/2014/main" id="{ADEE3863-F9EF-9F1C-5A42-2EC296B86627}"/>
+                <a16:creationId xmlns:a16="http://schemas.microsoft.com/office/drawing/2014/main" id="{2F2D9A91-0AD2-6D95-C532-9537931BA67C}"/>
               </a:ext>
             </a:extLst>
           </p:cNvPr>
@@ -1434,7 +1434,7 @@
           <p:cNvPr id="7" name="灯片编号占位符 6">
             <a:extLst>
               <a:ext uri="{FF2B5EF4-FFF2-40B4-BE49-F238E27FC236}">
-                <a16:creationId xmlns:a16="http://schemas.microsoft.com/office/drawing/2014/main" id="{CDD2CDA9-DC29-F913-724D-E0771A1614B7}"/>
+                <a16:creationId xmlns:a16="http://schemas.microsoft.com/office/drawing/2014/main" id="{383F24D1-F74C-0DDF-B0F5-D2A214032AA6}"/>
               </a:ext>
             </a:extLst>
           </p:cNvPr>
@@ -1450,7 +1450,7 @@
           <a:bodyPr/>
           <a:lstStyle/>
           <a:p>
-            <a:fld id="{7A2B8CD0-9AF6-4623-A27B-21F3CAE429ED}" type="slidenum">
+            <a:fld id="{B85F966A-FFEA-4B3D-AD48-226F794E0AB5}" type="slidenum">
               <a:rPr lang="zh-CN" altLang="en-US" smtClean="0"/>
               <a:t>‹#›</a:t>
             </a:fld>
@@ -1461,7 +1461,7 @@
     </p:spTree>
     <p:extLst>
       <p:ext uri="{BB962C8B-B14F-4D97-AF65-F5344CB8AC3E}">
-        <p14:creationId xmlns:p14="http://schemas.microsoft.com/office/powerpoint/2010/main" val="320705644"/>
+        <p14:creationId xmlns:p14="http://schemas.microsoft.com/office/powerpoint/2010/main" val="413994346"/>
       </p:ext>
     </p:extLst>
   </p:cSld>
@@ -1493,7 +1493,7 @@
           <p:cNvPr id="2" name="标题 1">
             <a:extLst>
               <a:ext uri="{FF2B5EF4-FFF2-40B4-BE49-F238E27FC236}">
-                <a16:creationId xmlns:a16="http://schemas.microsoft.com/office/drawing/2014/main" id="{5E65618E-8DA9-E069-85A3-E4D653A86ABF}"/>
+                <a16:creationId xmlns:a16="http://schemas.microsoft.com/office/drawing/2014/main" id="{E839FE67-B90F-A004-09DB-033E37CEAEBB}"/>
               </a:ext>
             </a:extLst>
           </p:cNvPr>
@@ -1526,7 +1526,7 @@
           <p:cNvPr id="3" name="文本占位符 2">
             <a:extLst>
               <a:ext uri="{FF2B5EF4-FFF2-40B4-BE49-F238E27FC236}">
-                <a16:creationId xmlns:a16="http://schemas.microsoft.com/office/drawing/2014/main" id="{3801CF36-5372-FE84-A6B8-612919613251}"/>
+                <a16:creationId xmlns:a16="http://schemas.microsoft.com/office/drawing/2014/main" id="{0D53CEFD-30AD-7288-3034-05677569F1E3}"/>
               </a:ext>
             </a:extLst>
           </p:cNvPr>
@@ -1597,7 +1597,7 @@
           <p:cNvPr id="4" name="内容占位符 3">
             <a:extLst>
               <a:ext uri="{FF2B5EF4-FFF2-40B4-BE49-F238E27FC236}">
-                <a16:creationId xmlns:a16="http://schemas.microsoft.com/office/drawing/2014/main" id="{3F8E1E69-9064-7DFD-7A30-93E653F0223C}"/>
+                <a16:creationId xmlns:a16="http://schemas.microsoft.com/office/drawing/2014/main" id="{9145C728-D711-05E4-A234-8DEEA34647D0}"/>
               </a:ext>
             </a:extLst>
           </p:cNvPr>
@@ -1659,7 +1659,7 @@
           <p:cNvPr id="5" name="文本占位符 4">
             <a:extLst>
               <a:ext uri="{FF2B5EF4-FFF2-40B4-BE49-F238E27FC236}">
-                <a16:creationId xmlns:a16="http://schemas.microsoft.com/office/drawing/2014/main" id="{839FC7F4-7516-C66B-711E-8E2E19E09A62}"/>
+                <a16:creationId xmlns:a16="http://schemas.microsoft.com/office/drawing/2014/main" id="{6534B0B9-7DD8-F121-ED88-F4F135EC3394}"/>
               </a:ext>
             </a:extLst>
           </p:cNvPr>
@@ -1730,7 +1730,7 @@
           <p:cNvPr id="6" name="内容占位符 5">
             <a:extLst>
               <a:ext uri="{FF2B5EF4-FFF2-40B4-BE49-F238E27FC236}">
-                <a16:creationId xmlns:a16="http://schemas.microsoft.com/office/drawing/2014/main" id="{69C73812-85AF-3AC0-3E47-437119422E20}"/>
+                <a16:creationId xmlns:a16="http://schemas.microsoft.com/office/drawing/2014/main" id="{73387554-9CE5-AE52-E651-4E1A7F900A86}"/>
               </a:ext>
             </a:extLst>
           </p:cNvPr>
@@ -1792,7 +1792,7 @@
           <p:cNvPr id="7" name="日期占位符 6">
             <a:extLst>
               <a:ext uri="{FF2B5EF4-FFF2-40B4-BE49-F238E27FC236}">
-                <a16:creationId xmlns:a16="http://schemas.microsoft.com/office/drawing/2014/main" id="{1B183B87-40FB-D506-72E5-19A2287F9DBB}"/>
+                <a16:creationId xmlns:a16="http://schemas.microsoft.com/office/drawing/2014/main" id="{C4F69FFE-4CF2-AF18-0F22-343B3E0D7619}"/>
               </a:ext>
             </a:extLst>
           </p:cNvPr>
@@ -1808,7 +1808,7 @@
           <a:bodyPr/>
           <a:lstStyle/>
           <a:p>
-            <a:fld id="{68F0EEDD-5DD5-47C5-8625-55385CDBB724}" type="datetimeFigureOut">
+            <a:fld id="{048610D1-9038-4EF1-829D-5FA6F7E0955D}" type="datetimeFigureOut">
               <a:rPr lang="zh-CN" altLang="en-US" smtClean="0"/>
               <a:t>2024/3/10</a:t>
             </a:fld>
@@ -1821,7 +1821,7 @@
           <p:cNvPr id="8" name="页脚占位符 7">
             <a:extLst>
               <a:ext uri="{FF2B5EF4-FFF2-40B4-BE49-F238E27FC236}">
-                <a16:creationId xmlns:a16="http://schemas.microsoft.com/office/drawing/2014/main" id="{BD7CA08E-5346-5C8C-C656-E2AB29E9A122}"/>
+                <a16:creationId xmlns:a16="http://schemas.microsoft.com/office/drawing/2014/main" id="{080BC6E0-64C6-993B-E62F-BD3E4540A556}"/>
               </a:ext>
             </a:extLst>
           </p:cNvPr>
@@ -1846,7 +1846,7 @@
           <p:cNvPr id="9" name="灯片编号占位符 8">
             <a:extLst>
               <a:ext uri="{FF2B5EF4-FFF2-40B4-BE49-F238E27FC236}">
-                <a16:creationId xmlns:a16="http://schemas.microsoft.com/office/drawing/2014/main" id="{A4E6C710-3C44-9A7A-EC24-C7379C89E1AD}"/>
+                <a16:creationId xmlns:a16="http://schemas.microsoft.com/office/drawing/2014/main" id="{9E53AF6C-F3F2-A85C-88CB-B63856B25341}"/>
               </a:ext>
             </a:extLst>
           </p:cNvPr>
@@ -1862,7 +1862,7 @@
           <a:bodyPr/>
           <a:lstStyle/>
           <a:p>
-            <a:fld id="{7A2B8CD0-9AF6-4623-A27B-21F3CAE429ED}" type="slidenum">
+            <a:fld id="{B85F966A-FFEA-4B3D-AD48-226F794E0AB5}" type="slidenum">
               <a:rPr lang="zh-CN" altLang="en-US" smtClean="0"/>
               <a:t>‹#›</a:t>
             </a:fld>
@@ -1873,7 +1873,7 @@
     </p:spTree>
     <p:extLst>
       <p:ext uri="{BB962C8B-B14F-4D97-AF65-F5344CB8AC3E}">
-        <p14:creationId xmlns:p14="http://schemas.microsoft.com/office/powerpoint/2010/main" val="4030472895"/>
+        <p14:creationId xmlns:p14="http://schemas.microsoft.com/office/powerpoint/2010/main" val="1642442"/>
       </p:ext>
     </p:extLst>
   </p:cSld>
@@ -1905,7 +1905,7 @@
           <p:cNvPr id="2" name="标题 1">
             <a:extLst>
               <a:ext uri="{FF2B5EF4-FFF2-40B4-BE49-F238E27FC236}">
-                <a16:creationId xmlns:a16="http://schemas.microsoft.com/office/drawing/2014/main" id="{F0E578EE-853F-D6A3-D6C2-B246088D9554}"/>
+                <a16:creationId xmlns:a16="http://schemas.microsoft.com/office/drawing/2014/main" id="{9F1E6E1E-E45C-6D44-DB07-73CE8CD4152F}"/>
               </a:ext>
             </a:extLst>
           </p:cNvPr>
@@ -1933,7 +1933,7 @@
           <p:cNvPr id="3" name="日期占位符 2">
             <a:extLst>
               <a:ext uri="{FF2B5EF4-FFF2-40B4-BE49-F238E27FC236}">
-                <a16:creationId xmlns:a16="http://schemas.microsoft.com/office/drawing/2014/main" id="{96C7F851-4D70-3278-D85E-E4B789EE64E5}"/>
+                <a16:creationId xmlns:a16="http://schemas.microsoft.com/office/drawing/2014/main" id="{46ABDF0E-FBAE-2D92-02C2-0C2046B46F0C}"/>
               </a:ext>
             </a:extLst>
           </p:cNvPr>
@@ -1949,7 +1949,7 @@
           <a:bodyPr/>
           <a:lstStyle/>
           <a:p>
-            <a:fld id="{68F0EEDD-5DD5-47C5-8625-55385CDBB724}" type="datetimeFigureOut">
+            <a:fld id="{048610D1-9038-4EF1-829D-5FA6F7E0955D}" type="datetimeFigureOut">
               <a:rPr lang="zh-CN" altLang="en-US" smtClean="0"/>
               <a:t>2024/3/10</a:t>
             </a:fld>
@@ -1962,7 +1962,7 @@
           <p:cNvPr id="4" name="页脚占位符 3">
             <a:extLst>
               <a:ext uri="{FF2B5EF4-FFF2-40B4-BE49-F238E27FC236}">
-                <a16:creationId xmlns:a16="http://schemas.microsoft.com/office/drawing/2014/main" id="{9FDC89F1-A8E6-5DD3-F7C0-4FAF32FE1A91}"/>
+                <a16:creationId xmlns:a16="http://schemas.microsoft.com/office/drawing/2014/main" id="{42E769BE-3644-D747-FD06-C6D3CCEB4A2F}"/>
               </a:ext>
             </a:extLst>
           </p:cNvPr>
@@ -1987,7 +1987,7 @@
           <p:cNvPr id="5" name="灯片编号占位符 4">
             <a:extLst>
               <a:ext uri="{FF2B5EF4-FFF2-40B4-BE49-F238E27FC236}">
-                <a16:creationId xmlns:a16="http://schemas.microsoft.com/office/drawing/2014/main" id="{A7BA0112-077D-1CA2-CB08-23545CB5EFDC}"/>
+                <a16:creationId xmlns:a16="http://schemas.microsoft.com/office/drawing/2014/main" id="{3EA47E54-09AD-B60F-BD3F-E17DDE5B4428}"/>
               </a:ext>
             </a:extLst>
           </p:cNvPr>
@@ -2003,7 +2003,7 @@
           <a:bodyPr/>
           <a:lstStyle/>
           <a:p>
-            <a:fld id="{7A2B8CD0-9AF6-4623-A27B-21F3CAE429ED}" type="slidenum">
+            <a:fld id="{B85F966A-FFEA-4B3D-AD48-226F794E0AB5}" type="slidenum">
               <a:rPr lang="zh-CN" altLang="en-US" smtClean="0"/>
               <a:t>‹#›</a:t>
             </a:fld>
@@ -2014,7 +2014,7 @@
     </p:spTree>
     <p:extLst>
       <p:ext uri="{BB962C8B-B14F-4D97-AF65-F5344CB8AC3E}">
-        <p14:creationId xmlns:p14="http://schemas.microsoft.com/office/powerpoint/2010/main" val="463006923"/>
+        <p14:creationId xmlns:p14="http://schemas.microsoft.com/office/powerpoint/2010/main" val="3053701360"/>
       </p:ext>
     </p:extLst>
   </p:cSld>
@@ -2046,7 +2046,7 @@
           <p:cNvPr id="2" name="日期占位符 1">
             <a:extLst>
               <a:ext uri="{FF2B5EF4-FFF2-40B4-BE49-F238E27FC236}">
-                <a16:creationId xmlns:a16="http://schemas.microsoft.com/office/drawing/2014/main" id="{F266CA99-5214-F1CD-F666-71F203C0EDF9}"/>
+                <a16:creationId xmlns:a16="http://schemas.microsoft.com/office/drawing/2014/main" id="{7732FF5F-2FA0-4D16-527E-5A88C21A33B6}"/>
               </a:ext>
             </a:extLst>
           </p:cNvPr>
@@ -2062,7 +2062,7 @@
           <a:bodyPr/>
           <a:lstStyle/>
           <a:p>
-            <a:fld id="{68F0EEDD-5DD5-47C5-8625-55385CDBB724}" type="datetimeFigureOut">
+            <a:fld id="{048610D1-9038-4EF1-829D-5FA6F7E0955D}" type="datetimeFigureOut">
               <a:rPr lang="zh-CN" altLang="en-US" smtClean="0"/>
               <a:t>2024/3/10</a:t>
             </a:fld>
@@ -2075,7 +2075,7 @@
           <p:cNvPr id="3" name="页脚占位符 2">
             <a:extLst>
               <a:ext uri="{FF2B5EF4-FFF2-40B4-BE49-F238E27FC236}">
-                <a16:creationId xmlns:a16="http://schemas.microsoft.com/office/drawing/2014/main" id="{60D2CC2F-2742-05D3-11F4-332D62749F85}"/>
+                <a16:creationId xmlns:a16="http://schemas.microsoft.com/office/drawing/2014/main" id="{65300939-0DBA-9D77-A45C-22608410F649}"/>
               </a:ext>
             </a:extLst>
           </p:cNvPr>
@@ -2100,7 +2100,7 @@
           <p:cNvPr id="4" name="灯片编号占位符 3">
             <a:extLst>
               <a:ext uri="{FF2B5EF4-FFF2-40B4-BE49-F238E27FC236}">
-                <a16:creationId xmlns:a16="http://schemas.microsoft.com/office/drawing/2014/main" id="{9C380E8D-9072-9792-3FD4-B49919F90906}"/>
+                <a16:creationId xmlns:a16="http://schemas.microsoft.com/office/drawing/2014/main" id="{1D1DBDEF-DF37-8C13-C000-F39944796E85}"/>
               </a:ext>
             </a:extLst>
           </p:cNvPr>
@@ -2116,7 +2116,7 @@
           <a:bodyPr/>
           <a:lstStyle/>
           <a:p>
-            <a:fld id="{7A2B8CD0-9AF6-4623-A27B-21F3CAE429ED}" type="slidenum">
+            <a:fld id="{B85F966A-FFEA-4B3D-AD48-226F794E0AB5}" type="slidenum">
               <a:rPr lang="zh-CN" altLang="en-US" smtClean="0"/>
               <a:t>‹#›</a:t>
             </a:fld>
@@ -2127,7 +2127,7 @@
     </p:spTree>
     <p:extLst>
       <p:ext uri="{BB962C8B-B14F-4D97-AF65-F5344CB8AC3E}">
-        <p14:creationId xmlns:p14="http://schemas.microsoft.com/office/powerpoint/2010/main" val="2099511287"/>
+        <p14:creationId xmlns:p14="http://schemas.microsoft.com/office/powerpoint/2010/main" val="3657150770"/>
       </p:ext>
     </p:extLst>
   </p:cSld>
@@ -2159,7 +2159,7 @@
           <p:cNvPr id="2" name="标题 1">
             <a:extLst>
               <a:ext uri="{FF2B5EF4-FFF2-40B4-BE49-F238E27FC236}">
-                <a16:creationId xmlns:a16="http://schemas.microsoft.com/office/drawing/2014/main" id="{D3C8A84B-B3C3-6BAE-DF35-95EDFEB614D6}"/>
+                <a16:creationId xmlns:a16="http://schemas.microsoft.com/office/drawing/2014/main" id="{7FD97CFD-CBC4-4500-AAA6-7D6B64E964A2}"/>
               </a:ext>
             </a:extLst>
           </p:cNvPr>
@@ -2196,7 +2196,7 @@
           <p:cNvPr id="3" name="内容占位符 2">
             <a:extLst>
               <a:ext uri="{FF2B5EF4-FFF2-40B4-BE49-F238E27FC236}">
-                <a16:creationId xmlns:a16="http://schemas.microsoft.com/office/drawing/2014/main" id="{D3F59230-3598-28E4-638A-52ED36DD3911}"/>
+                <a16:creationId xmlns:a16="http://schemas.microsoft.com/office/drawing/2014/main" id="{F70769C0-C578-C22D-641C-F218ACAF9AC8}"/>
               </a:ext>
             </a:extLst>
           </p:cNvPr>
@@ -2286,7 +2286,7 @@
           <p:cNvPr id="4" name="文本占位符 3">
             <a:extLst>
               <a:ext uri="{FF2B5EF4-FFF2-40B4-BE49-F238E27FC236}">
-                <a16:creationId xmlns:a16="http://schemas.microsoft.com/office/drawing/2014/main" id="{5DDD03F5-3FA5-96A1-E62D-59024966D39C}"/>
+                <a16:creationId xmlns:a16="http://schemas.microsoft.com/office/drawing/2014/main" id="{2020D2FB-7EB8-192F-B124-918106C307ED}"/>
               </a:ext>
             </a:extLst>
           </p:cNvPr>
@@ -2357,7 +2357,7 @@
           <p:cNvPr id="5" name="日期占位符 4">
             <a:extLst>
               <a:ext uri="{FF2B5EF4-FFF2-40B4-BE49-F238E27FC236}">
-                <a16:creationId xmlns:a16="http://schemas.microsoft.com/office/drawing/2014/main" id="{8C7EBA58-04D9-3576-F947-62350E0F180B}"/>
+                <a16:creationId xmlns:a16="http://schemas.microsoft.com/office/drawing/2014/main" id="{A90FD4AB-7549-6D55-EA21-368E49C19E7E}"/>
               </a:ext>
             </a:extLst>
           </p:cNvPr>
@@ -2373,7 +2373,7 @@
           <a:bodyPr/>
           <a:lstStyle/>
           <a:p>
-            <a:fld id="{68F0EEDD-5DD5-47C5-8625-55385CDBB724}" type="datetimeFigureOut">
+            <a:fld id="{048610D1-9038-4EF1-829D-5FA6F7E0955D}" type="datetimeFigureOut">
               <a:rPr lang="zh-CN" altLang="en-US" smtClean="0"/>
               <a:t>2024/3/10</a:t>
             </a:fld>
@@ -2386,7 +2386,7 @@
           <p:cNvPr id="6" name="页脚占位符 5">
             <a:extLst>
               <a:ext uri="{FF2B5EF4-FFF2-40B4-BE49-F238E27FC236}">
-                <a16:creationId xmlns:a16="http://schemas.microsoft.com/office/drawing/2014/main" id="{A521C421-BB4E-EAC7-A454-A67E0C37EBB7}"/>
+                <a16:creationId xmlns:a16="http://schemas.microsoft.com/office/drawing/2014/main" id="{DED12671-D4ED-8940-6AE8-A48B933F6D45}"/>
               </a:ext>
             </a:extLst>
           </p:cNvPr>
@@ -2411,7 +2411,7 @@
           <p:cNvPr id="7" name="灯片编号占位符 6">
             <a:extLst>
               <a:ext uri="{FF2B5EF4-FFF2-40B4-BE49-F238E27FC236}">
-                <a16:creationId xmlns:a16="http://schemas.microsoft.com/office/drawing/2014/main" id="{32E7CB39-0A38-029C-4744-B5FBDF88B505}"/>
+                <a16:creationId xmlns:a16="http://schemas.microsoft.com/office/drawing/2014/main" id="{BE674B05-0762-93A4-3C37-CBD871DAA575}"/>
               </a:ext>
             </a:extLst>
           </p:cNvPr>
@@ -2427,7 +2427,7 @@
           <a:bodyPr/>
           <a:lstStyle/>
           <a:p>
-            <a:fld id="{7A2B8CD0-9AF6-4623-A27B-21F3CAE429ED}" type="slidenum">
+            <a:fld id="{B85F966A-FFEA-4B3D-AD48-226F794E0AB5}" type="slidenum">
               <a:rPr lang="zh-CN" altLang="en-US" smtClean="0"/>
               <a:t>‹#›</a:t>
             </a:fld>
@@ -2438,7 +2438,7 @@
     </p:spTree>
     <p:extLst>
       <p:ext uri="{BB962C8B-B14F-4D97-AF65-F5344CB8AC3E}">
-        <p14:creationId xmlns:p14="http://schemas.microsoft.com/office/powerpoint/2010/main" val="852244006"/>
+        <p14:creationId xmlns:p14="http://schemas.microsoft.com/office/powerpoint/2010/main" val="2770740919"/>
       </p:ext>
     </p:extLst>
   </p:cSld>
@@ -2470,7 +2470,7 @@
           <p:cNvPr id="2" name="标题 1">
             <a:extLst>
               <a:ext uri="{FF2B5EF4-FFF2-40B4-BE49-F238E27FC236}">
-                <a16:creationId xmlns:a16="http://schemas.microsoft.com/office/drawing/2014/main" id="{E02034B9-7869-58E8-5273-3C3F5AC22D6F}"/>
+                <a16:creationId xmlns:a16="http://schemas.microsoft.com/office/drawing/2014/main" id="{25E8BD69-29FD-41C7-5B7B-6E39D1EB1BF0}"/>
               </a:ext>
             </a:extLst>
           </p:cNvPr>
@@ -2507,7 +2507,7 @@
           <p:cNvPr id="3" name="图片占位符 2">
             <a:extLst>
               <a:ext uri="{FF2B5EF4-FFF2-40B4-BE49-F238E27FC236}">
-                <a16:creationId xmlns:a16="http://schemas.microsoft.com/office/drawing/2014/main" id="{BE14A629-1045-673E-F74D-E9891D5132CB}"/>
+                <a16:creationId xmlns:a16="http://schemas.microsoft.com/office/drawing/2014/main" id="{81E4A35E-5D8C-D0C2-C74D-3DF8024C9C7F}"/>
               </a:ext>
             </a:extLst>
           </p:cNvPr>
@@ -2574,7 +2574,7 @@
           <p:cNvPr id="4" name="文本占位符 3">
             <a:extLst>
               <a:ext uri="{FF2B5EF4-FFF2-40B4-BE49-F238E27FC236}">
-                <a16:creationId xmlns:a16="http://schemas.microsoft.com/office/drawing/2014/main" id="{C8DECB51-29E2-B232-CE4E-DFF98A04AA67}"/>
+                <a16:creationId xmlns:a16="http://schemas.microsoft.com/office/drawing/2014/main" id="{BE9F3EB9-2DE3-2463-F8A5-D1E51B460749}"/>
               </a:ext>
             </a:extLst>
           </p:cNvPr>
@@ -2645,7 +2645,7 @@
           <p:cNvPr id="5" name="日期占位符 4">
             <a:extLst>
               <a:ext uri="{FF2B5EF4-FFF2-40B4-BE49-F238E27FC236}">
-                <a16:creationId xmlns:a16="http://schemas.microsoft.com/office/drawing/2014/main" id="{8E3D2D20-9774-B4C6-E42D-3BB515765B02}"/>
+                <a16:creationId xmlns:a16="http://schemas.microsoft.com/office/drawing/2014/main" id="{BEFE97A1-DB83-A29A-0EF6-B6448C6BD3EC}"/>
               </a:ext>
             </a:extLst>
           </p:cNvPr>
@@ -2661,7 +2661,7 @@
           <a:bodyPr/>
           <a:lstStyle/>
           <a:p>
-            <a:fld id="{68F0EEDD-5DD5-47C5-8625-55385CDBB724}" type="datetimeFigureOut">
+            <a:fld id="{048610D1-9038-4EF1-829D-5FA6F7E0955D}" type="datetimeFigureOut">
               <a:rPr lang="zh-CN" altLang="en-US" smtClean="0"/>
               <a:t>2024/3/10</a:t>
             </a:fld>
@@ -2674,7 +2674,7 @@
           <p:cNvPr id="6" name="页脚占位符 5">
             <a:extLst>
               <a:ext uri="{FF2B5EF4-FFF2-40B4-BE49-F238E27FC236}">
-                <a16:creationId xmlns:a16="http://schemas.microsoft.com/office/drawing/2014/main" id="{4D6ECF8C-EB93-0DDA-9F15-2F3DAE0708EF}"/>
+                <a16:creationId xmlns:a16="http://schemas.microsoft.com/office/drawing/2014/main" id="{F6230ECA-A66D-22C7-49C6-8C469361FAFE}"/>
               </a:ext>
             </a:extLst>
           </p:cNvPr>
@@ -2699,7 +2699,7 @@
           <p:cNvPr id="7" name="灯片编号占位符 6">
             <a:extLst>
               <a:ext uri="{FF2B5EF4-FFF2-40B4-BE49-F238E27FC236}">
-                <a16:creationId xmlns:a16="http://schemas.microsoft.com/office/drawing/2014/main" id="{05F55592-4C23-BA72-F716-50F01722AECE}"/>
+                <a16:creationId xmlns:a16="http://schemas.microsoft.com/office/drawing/2014/main" id="{57D859C1-A2E4-04A0-C98D-1222A8F68D81}"/>
               </a:ext>
             </a:extLst>
           </p:cNvPr>
@@ -2715,7 +2715,7 @@
           <a:bodyPr/>
           <a:lstStyle/>
           <a:p>
-            <a:fld id="{7A2B8CD0-9AF6-4623-A27B-21F3CAE429ED}" type="slidenum">
+            <a:fld id="{B85F966A-FFEA-4B3D-AD48-226F794E0AB5}" type="slidenum">
               <a:rPr lang="zh-CN" altLang="en-US" smtClean="0"/>
               <a:t>‹#›</a:t>
             </a:fld>
@@ -2726,7 +2726,7 @@
     </p:spTree>
     <p:extLst>
       <p:ext uri="{BB962C8B-B14F-4D97-AF65-F5344CB8AC3E}">
-        <p14:creationId xmlns:p14="http://schemas.microsoft.com/office/powerpoint/2010/main" val="1915837561"/>
+        <p14:creationId xmlns:p14="http://schemas.microsoft.com/office/powerpoint/2010/main" val="1883359832"/>
       </p:ext>
     </p:extLst>
   </p:cSld>
@@ -2763,7 +2763,7 @@
           <p:cNvPr id="2" name="标题占位符 1">
             <a:extLst>
               <a:ext uri="{FF2B5EF4-FFF2-40B4-BE49-F238E27FC236}">
-                <a16:creationId xmlns:a16="http://schemas.microsoft.com/office/drawing/2014/main" id="{DAEC2E12-CC3B-34C6-9ECC-65B0F29C83D9}"/>
+                <a16:creationId xmlns:a16="http://schemas.microsoft.com/office/drawing/2014/main" id="{8A7A77A7-5ADA-6257-ABFE-F7580D407B74}"/>
               </a:ext>
             </a:extLst>
           </p:cNvPr>
@@ -2801,7 +2801,7 @@
           <p:cNvPr id="3" name="文本占位符 2">
             <a:extLst>
               <a:ext uri="{FF2B5EF4-FFF2-40B4-BE49-F238E27FC236}">
-                <a16:creationId xmlns:a16="http://schemas.microsoft.com/office/drawing/2014/main" id="{CFE96753-D477-B64A-8724-DFD1FA3213BE}"/>
+                <a16:creationId xmlns:a16="http://schemas.microsoft.com/office/drawing/2014/main" id="{DD2B257F-E246-7BA1-677D-C421162CC8B6}"/>
               </a:ext>
             </a:extLst>
           </p:cNvPr>
@@ -2868,7 +2868,7 @@
           <p:cNvPr id="4" name="日期占位符 3">
             <a:extLst>
               <a:ext uri="{FF2B5EF4-FFF2-40B4-BE49-F238E27FC236}">
-                <a16:creationId xmlns:a16="http://schemas.microsoft.com/office/drawing/2014/main" id="{B2EC0072-F860-2AF1-7B28-36C015D16A7B}"/>
+                <a16:creationId xmlns:a16="http://schemas.microsoft.com/office/drawing/2014/main" id="{067F3E83-57CC-FA7E-C6E0-613473C7610B}"/>
               </a:ext>
             </a:extLst>
           </p:cNvPr>
@@ -2902,7 +2902,7 @@
             </a:lvl1pPr>
           </a:lstStyle>
           <a:p>
-            <a:fld id="{68F0EEDD-5DD5-47C5-8625-55385CDBB724}" type="datetimeFigureOut">
+            <a:fld id="{048610D1-9038-4EF1-829D-5FA6F7E0955D}" type="datetimeFigureOut">
               <a:rPr lang="zh-CN" altLang="en-US" smtClean="0"/>
               <a:t>2024/3/10</a:t>
             </a:fld>
@@ -2915,7 +2915,7 @@
           <p:cNvPr id="5" name="页脚占位符 4">
             <a:extLst>
               <a:ext uri="{FF2B5EF4-FFF2-40B4-BE49-F238E27FC236}">
-                <a16:creationId xmlns:a16="http://schemas.microsoft.com/office/drawing/2014/main" id="{EB52783C-B6F5-1DDD-8DB8-2E13CBF04EF3}"/>
+                <a16:creationId xmlns:a16="http://schemas.microsoft.com/office/drawing/2014/main" id="{F2EE5802-EB3D-4762-82AF-45AB49AFF9BF}"/>
               </a:ext>
             </a:extLst>
           </p:cNvPr>
@@ -2958,7 +2958,7 @@
           <p:cNvPr id="6" name="灯片编号占位符 5">
             <a:extLst>
               <a:ext uri="{FF2B5EF4-FFF2-40B4-BE49-F238E27FC236}">
-                <a16:creationId xmlns:a16="http://schemas.microsoft.com/office/drawing/2014/main" id="{6E5A9955-4409-F3F5-7DC6-5DDA4D12E6C2}"/>
+                <a16:creationId xmlns:a16="http://schemas.microsoft.com/office/drawing/2014/main" id="{16E7855F-5319-2380-3E1D-C56D692EC14F}"/>
               </a:ext>
             </a:extLst>
           </p:cNvPr>
@@ -2992,7 +2992,7 @@
             </a:lvl1pPr>
           </a:lstStyle>
           <a:p>
-            <a:fld id="{7A2B8CD0-9AF6-4623-A27B-21F3CAE429ED}" type="slidenum">
+            <a:fld id="{B85F966A-FFEA-4B3D-AD48-226F794E0AB5}" type="slidenum">
               <a:rPr lang="zh-CN" altLang="en-US" smtClean="0"/>
               <a:t>‹#›</a:t>
             </a:fld>
@@ -3003,7 +3003,7 @@
     </p:spTree>
     <p:extLst>
       <p:ext uri="{BB962C8B-B14F-4D97-AF65-F5344CB8AC3E}">
-        <p14:creationId xmlns:p14="http://schemas.microsoft.com/office/powerpoint/2010/main" val="3176541446"/>
+        <p14:creationId xmlns:p14="http://schemas.microsoft.com/office/powerpoint/2010/main" val="1337955504"/>
       </p:ext>
     </p:extLst>
   </p:cSld>
